--- a/Diagramme/BasicIdea.pptx
+++ b/Diagramme/BasicIdea.pptx
@@ -6,6 +6,7 @@
   </p:sldMasterIdLst>
   <p:sldIdLst>
     <p:sldId id="256" r:id="rId2"/>
+    <p:sldId id="257" r:id="rId3"/>
   </p:sldIdLst>
   <p:sldSz cx="12192000" cy="6858000"/>
   <p:notesSz cx="6858000" cy="9144000"/>
@@ -261,9 +262,9 @@
           <a:p>
             <a:fld id="{504D7D8A-BA98-4CA1-BB02-E23454A781E2}" type="datetimeFigureOut">
               <a:rPr lang="en-GB" smtClean="0"/>
-              <a:t>14/07/2019</a:t>
+              <a:t>21/07/2019</a:t>
             </a:fld>
-            <a:endParaRPr lang="en-GB"/>
+            <a:endParaRPr lang="en-GB" dirty="0"/>
           </a:p>
         </p:txBody>
       </p:sp>
@@ -288,7 +289,7 @@
           <a:bodyPr/>
           <a:lstStyle/>
           <a:p>
-            <a:endParaRPr lang="en-GB"/>
+            <a:endParaRPr lang="en-GB" dirty="0"/>
           </a:p>
         </p:txBody>
       </p:sp>
@@ -317,7 +318,7 @@
               <a:rPr lang="en-GB" smtClean="0"/>
               <a:t>‹Nr.›</a:t>
             </a:fld>
-            <a:endParaRPr lang="en-GB"/>
+            <a:endParaRPr lang="en-GB" dirty="0"/>
           </a:p>
         </p:txBody>
       </p:sp>
@@ -461,9 +462,9 @@
           <a:p>
             <a:fld id="{504D7D8A-BA98-4CA1-BB02-E23454A781E2}" type="datetimeFigureOut">
               <a:rPr lang="en-GB" smtClean="0"/>
-              <a:t>14/07/2019</a:t>
+              <a:t>21/07/2019</a:t>
             </a:fld>
-            <a:endParaRPr lang="en-GB"/>
+            <a:endParaRPr lang="en-GB" dirty="0"/>
           </a:p>
         </p:txBody>
       </p:sp>
@@ -488,7 +489,7 @@
           <a:bodyPr/>
           <a:lstStyle/>
           <a:p>
-            <a:endParaRPr lang="en-GB"/>
+            <a:endParaRPr lang="en-GB" dirty="0"/>
           </a:p>
         </p:txBody>
       </p:sp>
@@ -517,7 +518,7 @@
               <a:rPr lang="en-GB" smtClean="0"/>
               <a:t>‹Nr.›</a:t>
             </a:fld>
-            <a:endParaRPr lang="en-GB"/>
+            <a:endParaRPr lang="en-GB" dirty="0"/>
           </a:p>
         </p:txBody>
       </p:sp>
@@ -671,9 +672,9 @@
           <a:p>
             <a:fld id="{504D7D8A-BA98-4CA1-BB02-E23454A781E2}" type="datetimeFigureOut">
               <a:rPr lang="en-GB" smtClean="0"/>
-              <a:t>14/07/2019</a:t>
+              <a:t>21/07/2019</a:t>
             </a:fld>
-            <a:endParaRPr lang="en-GB"/>
+            <a:endParaRPr lang="en-GB" dirty="0"/>
           </a:p>
         </p:txBody>
       </p:sp>
@@ -698,7 +699,7 @@
           <a:bodyPr/>
           <a:lstStyle/>
           <a:p>
-            <a:endParaRPr lang="en-GB"/>
+            <a:endParaRPr lang="en-GB" dirty="0"/>
           </a:p>
         </p:txBody>
       </p:sp>
@@ -727,7 +728,7 @@
               <a:rPr lang="en-GB" smtClean="0"/>
               <a:t>‹Nr.›</a:t>
             </a:fld>
-            <a:endParaRPr lang="en-GB"/>
+            <a:endParaRPr lang="en-GB" dirty="0"/>
           </a:p>
         </p:txBody>
       </p:sp>
@@ -871,9 +872,9 @@
           <a:p>
             <a:fld id="{504D7D8A-BA98-4CA1-BB02-E23454A781E2}" type="datetimeFigureOut">
               <a:rPr lang="en-GB" smtClean="0"/>
-              <a:t>14/07/2019</a:t>
+              <a:t>21/07/2019</a:t>
             </a:fld>
-            <a:endParaRPr lang="en-GB"/>
+            <a:endParaRPr lang="en-GB" dirty="0"/>
           </a:p>
         </p:txBody>
       </p:sp>
@@ -898,7 +899,7 @@
           <a:bodyPr/>
           <a:lstStyle/>
           <a:p>
-            <a:endParaRPr lang="en-GB"/>
+            <a:endParaRPr lang="en-GB" dirty="0"/>
           </a:p>
         </p:txBody>
       </p:sp>
@@ -927,7 +928,7 @@
               <a:rPr lang="en-GB" smtClean="0"/>
               <a:t>‹Nr.›</a:t>
             </a:fld>
-            <a:endParaRPr lang="en-GB"/>
+            <a:endParaRPr lang="en-GB" dirty="0"/>
           </a:p>
         </p:txBody>
       </p:sp>
@@ -1147,9 +1148,9 @@
           <a:p>
             <a:fld id="{504D7D8A-BA98-4CA1-BB02-E23454A781E2}" type="datetimeFigureOut">
               <a:rPr lang="en-GB" smtClean="0"/>
-              <a:t>14/07/2019</a:t>
+              <a:t>21/07/2019</a:t>
             </a:fld>
-            <a:endParaRPr lang="en-GB"/>
+            <a:endParaRPr lang="en-GB" dirty="0"/>
           </a:p>
         </p:txBody>
       </p:sp>
@@ -1174,7 +1175,7 @@
           <a:bodyPr/>
           <a:lstStyle/>
           <a:p>
-            <a:endParaRPr lang="en-GB"/>
+            <a:endParaRPr lang="en-GB" dirty="0"/>
           </a:p>
         </p:txBody>
       </p:sp>
@@ -1203,7 +1204,7 @@
               <a:rPr lang="en-GB" smtClean="0"/>
               <a:t>‹Nr.›</a:t>
             </a:fld>
-            <a:endParaRPr lang="en-GB"/>
+            <a:endParaRPr lang="en-GB" dirty="0"/>
           </a:p>
         </p:txBody>
       </p:sp>
@@ -1415,9 +1416,9 @@
           <a:p>
             <a:fld id="{504D7D8A-BA98-4CA1-BB02-E23454A781E2}" type="datetimeFigureOut">
               <a:rPr lang="en-GB" smtClean="0"/>
-              <a:t>14/07/2019</a:t>
+              <a:t>21/07/2019</a:t>
             </a:fld>
-            <a:endParaRPr lang="en-GB"/>
+            <a:endParaRPr lang="en-GB" dirty="0"/>
           </a:p>
         </p:txBody>
       </p:sp>
@@ -1442,7 +1443,7 @@
           <a:bodyPr/>
           <a:lstStyle/>
           <a:p>
-            <a:endParaRPr lang="en-GB"/>
+            <a:endParaRPr lang="en-GB" dirty="0"/>
           </a:p>
         </p:txBody>
       </p:sp>
@@ -1471,7 +1472,7 @@
               <a:rPr lang="en-GB" smtClean="0"/>
               <a:t>‹Nr.›</a:t>
             </a:fld>
-            <a:endParaRPr lang="en-GB"/>
+            <a:endParaRPr lang="en-GB" dirty="0"/>
           </a:p>
         </p:txBody>
       </p:sp>
@@ -1830,9 +1831,9 @@
           <a:p>
             <a:fld id="{504D7D8A-BA98-4CA1-BB02-E23454A781E2}" type="datetimeFigureOut">
               <a:rPr lang="en-GB" smtClean="0"/>
-              <a:t>14/07/2019</a:t>
+              <a:t>21/07/2019</a:t>
             </a:fld>
-            <a:endParaRPr lang="en-GB"/>
+            <a:endParaRPr lang="en-GB" dirty="0"/>
           </a:p>
         </p:txBody>
       </p:sp>
@@ -1857,7 +1858,7 @@
           <a:bodyPr/>
           <a:lstStyle/>
           <a:p>
-            <a:endParaRPr lang="en-GB"/>
+            <a:endParaRPr lang="en-GB" dirty="0"/>
           </a:p>
         </p:txBody>
       </p:sp>
@@ -1886,7 +1887,7 @@
               <a:rPr lang="en-GB" smtClean="0"/>
               <a:t>‹Nr.›</a:t>
             </a:fld>
-            <a:endParaRPr lang="en-GB"/>
+            <a:endParaRPr lang="en-GB" dirty="0"/>
           </a:p>
         </p:txBody>
       </p:sp>
@@ -1972,9 +1973,9 @@
           <a:p>
             <a:fld id="{504D7D8A-BA98-4CA1-BB02-E23454A781E2}" type="datetimeFigureOut">
               <a:rPr lang="en-GB" smtClean="0"/>
-              <a:t>14/07/2019</a:t>
+              <a:t>21/07/2019</a:t>
             </a:fld>
-            <a:endParaRPr lang="en-GB"/>
+            <a:endParaRPr lang="en-GB" dirty="0"/>
           </a:p>
         </p:txBody>
       </p:sp>
@@ -1999,7 +2000,7 @@
           <a:bodyPr/>
           <a:lstStyle/>
           <a:p>
-            <a:endParaRPr lang="en-GB"/>
+            <a:endParaRPr lang="en-GB" dirty="0"/>
           </a:p>
         </p:txBody>
       </p:sp>
@@ -2028,7 +2029,7 @@
               <a:rPr lang="en-GB" smtClean="0"/>
               <a:t>‹Nr.›</a:t>
             </a:fld>
-            <a:endParaRPr lang="en-GB"/>
+            <a:endParaRPr lang="en-GB" dirty="0"/>
           </a:p>
         </p:txBody>
       </p:sp>
@@ -2085,9 +2086,9 @@
           <a:p>
             <a:fld id="{504D7D8A-BA98-4CA1-BB02-E23454A781E2}" type="datetimeFigureOut">
               <a:rPr lang="en-GB" smtClean="0"/>
-              <a:t>14/07/2019</a:t>
+              <a:t>21/07/2019</a:t>
             </a:fld>
-            <a:endParaRPr lang="en-GB"/>
+            <a:endParaRPr lang="en-GB" dirty="0"/>
           </a:p>
         </p:txBody>
       </p:sp>
@@ -2112,7 +2113,7 @@
           <a:bodyPr/>
           <a:lstStyle/>
           <a:p>
-            <a:endParaRPr lang="en-GB"/>
+            <a:endParaRPr lang="en-GB" dirty="0"/>
           </a:p>
         </p:txBody>
       </p:sp>
@@ -2141,7 +2142,7 @@
               <a:rPr lang="en-GB" smtClean="0"/>
               <a:t>‹Nr.›</a:t>
             </a:fld>
-            <a:endParaRPr lang="en-GB"/>
+            <a:endParaRPr lang="en-GB" dirty="0"/>
           </a:p>
         </p:txBody>
       </p:sp>
@@ -2398,9 +2399,9 @@
           <a:p>
             <a:fld id="{504D7D8A-BA98-4CA1-BB02-E23454A781E2}" type="datetimeFigureOut">
               <a:rPr lang="en-GB" smtClean="0"/>
-              <a:t>14/07/2019</a:t>
+              <a:t>21/07/2019</a:t>
             </a:fld>
-            <a:endParaRPr lang="en-GB"/>
+            <a:endParaRPr lang="en-GB" dirty="0"/>
           </a:p>
         </p:txBody>
       </p:sp>
@@ -2425,7 +2426,7 @@
           <a:bodyPr/>
           <a:lstStyle/>
           <a:p>
-            <a:endParaRPr lang="en-GB"/>
+            <a:endParaRPr lang="en-GB" dirty="0"/>
           </a:p>
         </p:txBody>
       </p:sp>
@@ -2454,7 +2455,7 @@
               <a:rPr lang="en-GB" smtClean="0"/>
               <a:t>‹Nr.›</a:t>
             </a:fld>
-            <a:endParaRPr lang="en-GB"/>
+            <a:endParaRPr lang="en-GB" dirty="0"/>
           </a:p>
         </p:txBody>
       </p:sp>
@@ -2589,7 +2590,7 @@
             </a:lvl9pPr>
           </a:lstStyle>
           <a:p>
-            <a:endParaRPr lang="en-GB"/>
+            <a:endParaRPr lang="en-GB" dirty="0"/>
           </a:p>
         </p:txBody>
       </p:sp>
@@ -2687,9 +2688,9 @@
           <a:p>
             <a:fld id="{504D7D8A-BA98-4CA1-BB02-E23454A781E2}" type="datetimeFigureOut">
               <a:rPr lang="en-GB" smtClean="0"/>
-              <a:t>14/07/2019</a:t>
+              <a:t>21/07/2019</a:t>
             </a:fld>
-            <a:endParaRPr lang="en-GB"/>
+            <a:endParaRPr lang="en-GB" dirty="0"/>
           </a:p>
         </p:txBody>
       </p:sp>
@@ -2714,7 +2715,7 @@
           <a:bodyPr/>
           <a:lstStyle/>
           <a:p>
-            <a:endParaRPr lang="en-GB"/>
+            <a:endParaRPr lang="en-GB" dirty="0"/>
           </a:p>
         </p:txBody>
       </p:sp>
@@ -2743,7 +2744,7 @@
               <a:rPr lang="en-GB" smtClean="0"/>
               <a:t>‹Nr.›</a:t>
             </a:fld>
-            <a:endParaRPr lang="en-GB"/>
+            <a:endParaRPr lang="en-GB" dirty="0"/>
           </a:p>
         </p:txBody>
       </p:sp>
@@ -2930,9 +2931,9 @@
           <a:p>
             <a:fld id="{504D7D8A-BA98-4CA1-BB02-E23454A781E2}" type="datetimeFigureOut">
               <a:rPr lang="en-GB" smtClean="0"/>
-              <a:t>14/07/2019</a:t>
+              <a:t>21/07/2019</a:t>
             </a:fld>
-            <a:endParaRPr lang="en-GB"/>
+            <a:endParaRPr lang="en-GB" dirty="0"/>
           </a:p>
         </p:txBody>
       </p:sp>
@@ -2975,7 +2976,7 @@
             </a:lvl1pPr>
           </a:lstStyle>
           <a:p>
-            <a:endParaRPr lang="en-GB"/>
+            <a:endParaRPr lang="en-GB" dirty="0"/>
           </a:p>
         </p:txBody>
       </p:sp>
@@ -3022,7 +3023,7 @@
               <a:rPr lang="en-GB" smtClean="0"/>
               <a:t>‹Nr.›</a:t>
             </a:fld>
-            <a:endParaRPr lang="en-GB"/>
+            <a:endParaRPr lang="en-GB" dirty="0"/>
           </a:p>
         </p:txBody>
       </p:sp>
@@ -3767,7 +3768,7 @@
           <a:lstStyle/>
           <a:p>
             <a:pPr algn="ctr"/>
-            <a:endParaRPr lang="en-GB"/>
+            <a:endParaRPr lang="en-GB" dirty="0"/>
           </a:p>
         </p:txBody>
       </p:sp>
@@ -3821,7 +3822,7 @@
           <a:lstStyle/>
           <a:p>
             <a:pPr algn="ctr"/>
-            <a:endParaRPr lang="en-GB"/>
+            <a:endParaRPr lang="en-GB" dirty="0"/>
           </a:p>
         </p:txBody>
       </p:sp>
@@ -3875,7 +3876,7 @@
           <a:lstStyle/>
           <a:p>
             <a:pPr algn="ctr"/>
-            <a:endParaRPr lang="en-GB"/>
+            <a:endParaRPr lang="en-GB" dirty="0"/>
           </a:p>
         </p:txBody>
       </p:sp>
@@ -3929,7 +3930,7 @@
           <a:lstStyle/>
           <a:p>
             <a:pPr algn="ctr"/>
-            <a:endParaRPr lang="en-GB"/>
+            <a:endParaRPr lang="en-GB" dirty="0"/>
           </a:p>
         </p:txBody>
       </p:sp>
@@ -4131,7 +4132,7 @@
         </p:nvSpPr>
         <p:spPr>
           <a:xfrm>
-            <a:off x="898543" y="1748029"/>
+            <a:off x="1101604" y="1801320"/>
             <a:ext cx="1002756" cy="215444"/>
           </a:xfrm>
           <a:prstGeom prst="rect">
@@ -4146,10 +4147,9 @@
           <a:lstStyle/>
           <a:p>
             <a:r>
-              <a:rPr lang="en-GB" sz="800" dirty="0" err="1"/>
-              <a:t>Warteschlange</a:t>
-            </a:r>
-            <a:endParaRPr lang="en-GB" sz="800" dirty="0"/>
+              <a:rPr lang="en-GB" sz="800" dirty="0"/>
+              <a:t>Queue</a:t>
+            </a:r>
           </a:p>
         </p:txBody>
       </p:sp>
@@ -4182,10 +4182,9 @@
           <a:lstStyle/>
           <a:p>
             <a:r>
-              <a:rPr lang="en-GB" sz="800" dirty="0" err="1"/>
-              <a:t>Infrastruktur</a:t>
-            </a:r>
-            <a:endParaRPr lang="en-GB" sz="800" dirty="0"/>
+              <a:rPr lang="en-GB" sz="800" dirty="0"/>
+              <a:t>Infrastructure</a:t>
+            </a:r>
           </a:p>
         </p:txBody>
       </p:sp>
@@ -4247,8 +4246,8 @@
         </p:nvSpPr>
         <p:spPr>
           <a:xfrm>
-            <a:off x="4099244" y="1366520"/>
-            <a:ext cx="779030" cy="351751"/>
+            <a:off x="4094478" y="1419286"/>
+            <a:ext cx="779030" cy="215444"/>
           </a:xfrm>
           <a:prstGeom prst="rect">
             <a:avLst/>
@@ -4264,7 +4263,7 @@
             <a:pPr algn="ctr"/>
             <a:r>
               <a:rPr lang="de-DE" sz="800" dirty="0"/>
-              <a:t>Abgearbeitete Jobs</a:t>
+              <a:t>Leaving Jobs</a:t>
             </a:r>
           </a:p>
         </p:txBody>
@@ -4284,7 +4283,7 @@
         <p:spPr>
           <a:xfrm>
             <a:off x="98417" y="1353659"/>
-            <a:ext cx="779030" cy="338554"/>
+            <a:ext cx="779030" cy="215444"/>
           </a:xfrm>
           <a:prstGeom prst="rect">
             <a:avLst/>
@@ -4300,7 +4299,7 @@
             <a:pPr algn="ctr"/>
             <a:r>
               <a:rPr lang="de-DE" sz="800" dirty="0"/>
-              <a:t>Ankommende Jobs</a:t>
+              <a:t>Arriving Jobs</a:t>
             </a:r>
           </a:p>
         </p:txBody>
@@ -4355,7 +4354,7 @@
           <a:lstStyle/>
           <a:p>
             <a:pPr algn="ctr"/>
-            <a:endParaRPr lang="en-GB"/>
+            <a:endParaRPr lang="en-GB" dirty="0"/>
           </a:p>
         </p:txBody>
       </p:sp>
@@ -4390,13 +4389,8 @@
             <a:pPr algn="ctr"/>
             <a:r>
               <a:rPr lang="de-DE" sz="800" dirty="0"/>
-              <a:t>Auto-</a:t>
-            </a:r>
-            <a:r>
-              <a:rPr lang="de-DE" sz="800" dirty="0" err="1"/>
-              <a:t>Skalierer</a:t>
-            </a:r>
-            <a:endParaRPr lang="de-DE" sz="800" dirty="0"/>
+              <a:t>Auto-Scaler</a:t>
+            </a:r>
           </a:p>
         </p:txBody>
       </p:sp>
@@ -4533,7 +4527,7 @@
             <a:pPr algn="ctr"/>
             <a:r>
               <a:rPr lang="de-DE" sz="800" dirty="0"/>
-              <a:t>Verhaltensaufzeichnung</a:t>
+              <a:t>Tracking</a:t>
             </a:r>
           </a:p>
         </p:txBody>
@@ -4648,8 +4642,8 @@
         </p:nvCxnSpPr>
         <p:spPr>
           <a:xfrm rot="16200000" flipV="1">
-            <a:off x="3596069" y="473830"/>
-            <a:ext cx="838849" cy="946532"/>
+            <a:off x="3567303" y="502596"/>
+            <a:ext cx="891615" cy="941766"/>
           </a:xfrm>
           <a:prstGeom prst="bentConnector2">
             <a:avLst/>
@@ -4755,10 +4749,9 @@
           <a:p>
             <a:pPr algn="ctr"/>
             <a:r>
-              <a:rPr lang="de-DE" sz="600" dirty="0" err="1"/>
-              <a:t>Skalierentscheidung</a:t>
-            </a:r>
-            <a:endParaRPr lang="de-DE" sz="600" dirty="0"/>
+              <a:rPr lang="en-US" sz="600" dirty="0"/>
+              <a:t>Scaling Decision</a:t>
+            </a:r>
           </a:p>
         </p:txBody>
       </p:sp>
@@ -4766,6 +4759,1443 @@
     <p:extLst>
       <p:ext uri="{BB962C8B-B14F-4D97-AF65-F5344CB8AC3E}">
         <p14:creationId xmlns:p14="http://schemas.microsoft.com/office/powerpoint/2010/main" val="3284452053"/>
+      </p:ext>
+    </p:extLst>
+  </p:cSld>
+  <p:clrMapOvr>
+    <a:masterClrMapping/>
+  </p:clrMapOvr>
+</p:sld>
+</file>
+
+<file path=ppt/slides/slide2.xml><?xml version="1.0" encoding="utf-8"?>
+<p:sld xmlns:a="http://schemas.openxmlformats.org/drawingml/2006/main" xmlns:r="http://schemas.openxmlformats.org/officeDocument/2006/relationships" xmlns:p="http://schemas.openxmlformats.org/presentationml/2006/main">
+  <p:cSld>
+    <p:spTree>
+      <p:nvGrpSpPr>
+        <p:cNvPr id="1" name=""/>
+        <p:cNvGrpSpPr/>
+        <p:nvPr/>
+      </p:nvGrpSpPr>
+      <p:grpSpPr>
+        <a:xfrm>
+          <a:off x="0" y="0"/>
+          <a:ext cx="0" cy="0"/>
+          <a:chOff x="0" y="0"/>
+          <a:chExt cx="0" cy="0"/>
+        </a:xfrm>
+      </p:grpSpPr>
+      <p:cxnSp>
+        <p:nvCxnSpPr>
+          <p:cNvPr id="5" name="Gerader Verbinder 4">
+            <a:extLst>
+              <a:ext uri="{FF2B5EF4-FFF2-40B4-BE49-F238E27FC236}">
+                <a16:creationId xmlns:a16="http://schemas.microsoft.com/office/drawing/2014/main" id="{26D6606C-99CD-4496-B488-30A2D12F2827}"/>
+              </a:ext>
+            </a:extLst>
+          </p:cNvPr>
+          <p:cNvCxnSpPr/>
+          <p:nvPr/>
+        </p:nvCxnSpPr>
+        <p:spPr>
+          <a:xfrm>
+            <a:off x="822744" y="1287964"/>
+            <a:ext cx="1040860" cy="0"/>
+          </a:xfrm>
+          <a:prstGeom prst="line">
+            <a:avLst/>
+          </a:prstGeom>
+          <a:ln>
+            <a:solidFill>
+              <a:schemeClr val="tx1"/>
+            </a:solidFill>
+          </a:ln>
+        </p:spPr>
+        <p:style>
+          <a:lnRef idx="1">
+            <a:schemeClr val="accent1"/>
+          </a:lnRef>
+          <a:fillRef idx="0">
+            <a:schemeClr val="accent1"/>
+          </a:fillRef>
+          <a:effectRef idx="0">
+            <a:schemeClr val="accent1"/>
+          </a:effectRef>
+          <a:fontRef idx="minor">
+            <a:schemeClr val="tx1"/>
+          </a:fontRef>
+        </p:style>
+      </p:cxnSp>
+      <p:cxnSp>
+        <p:nvCxnSpPr>
+          <p:cNvPr id="6" name="Gerader Verbinder 5">
+            <a:extLst>
+              <a:ext uri="{FF2B5EF4-FFF2-40B4-BE49-F238E27FC236}">
+                <a16:creationId xmlns:a16="http://schemas.microsoft.com/office/drawing/2014/main" id="{58239DFA-8DEB-42E1-8C2E-FEE5FEDDE118}"/>
+              </a:ext>
+            </a:extLst>
+          </p:cNvPr>
+          <p:cNvCxnSpPr/>
+          <p:nvPr/>
+        </p:nvCxnSpPr>
+        <p:spPr>
+          <a:xfrm>
+            <a:off x="822744" y="1771105"/>
+            <a:ext cx="1040860" cy="0"/>
+          </a:xfrm>
+          <a:prstGeom prst="line">
+            <a:avLst/>
+          </a:prstGeom>
+          <a:ln>
+            <a:solidFill>
+              <a:schemeClr val="tx1"/>
+            </a:solidFill>
+          </a:ln>
+        </p:spPr>
+        <p:style>
+          <a:lnRef idx="1">
+            <a:schemeClr val="accent1"/>
+          </a:lnRef>
+          <a:fillRef idx="0">
+            <a:schemeClr val="accent1"/>
+          </a:fillRef>
+          <a:effectRef idx="0">
+            <a:schemeClr val="accent1"/>
+          </a:effectRef>
+          <a:fontRef idx="minor">
+            <a:schemeClr val="tx1"/>
+          </a:fontRef>
+        </p:style>
+      </p:cxnSp>
+      <p:cxnSp>
+        <p:nvCxnSpPr>
+          <p:cNvPr id="8" name="Gerader Verbinder 7">
+            <a:extLst>
+              <a:ext uri="{FF2B5EF4-FFF2-40B4-BE49-F238E27FC236}">
+                <a16:creationId xmlns:a16="http://schemas.microsoft.com/office/drawing/2014/main" id="{40610443-7A27-497E-90DA-617B38572509}"/>
+              </a:ext>
+            </a:extLst>
+          </p:cNvPr>
+          <p:cNvCxnSpPr/>
+          <p:nvPr/>
+        </p:nvCxnSpPr>
+        <p:spPr>
+          <a:xfrm>
+            <a:off x="1863604" y="1287964"/>
+            <a:ext cx="0" cy="483141"/>
+          </a:xfrm>
+          <a:prstGeom prst="line">
+            <a:avLst/>
+          </a:prstGeom>
+          <a:ln>
+            <a:solidFill>
+              <a:schemeClr val="tx1"/>
+            </a:solidFill>
+          </a:ln>
+        </p:spPr>
+        <p:style>
+          <a:lnRef idx="1">
+            <a:schemeClr val="accent1"/>
+          </a:lnRef>
+          <a:fillRef idx="0">
+            <a:schemeClr val="accent1"/>
+          </a:fillRef>
+          <a:effectRef idx="0">
+            <a:schemeClr val="accent1"/>
+          </a:effectRef>
+          <a:fontRef idx="minor">
+            <a:schemeClr val="tx1"/>
+          </a:fontRef>
+        </p:style>
+      </p:cxnSp>
+      <p:cxnSp>
+        <p:nvCxnSpPr>
+          <p:cNvPr id="10" name="Gerader Verbinder 9">
+            <a:extLst>
+              <a:ext uri="{FF2B5EF4-FFF2-40B4-BE49-F238E27FC236}">
+                <a16:creationId xmlns:a16="http://schemas.microsoft.com/office/drawing/2014/main" id="{A9D32783-B991-4FDB-9354-C010FD7A542B}"/>
+              </a:ext>
+            </a:extLst>
+          </p:cNvPr>
+          <p:cNvCxnSpPr/>
+          <p:nvPr/>
+        </p:nvCxnSpPr>
+        <p:spPr>
+          <a:xfrm>
+            <a:off x="1568532" y="1287964"/>
+            <a:ext cx="0" cy="483141"/>
+          </a:xfrm>
+          <a:prstGeom prst="line">
+            <a:avLst/>
+          </a:prstGeom>
+          <a:ln>
+            <a:solidFill>
+              <a:schemeClr val="tx1"/>
+            </a:solidFill>
+          </a:ln>
+        </p:spPr>
+        <p:style>
+          <a:lnRef idx="1">
+            <a:schemeClr val="accent1"/>
+          </a:lnRef>
+          <a:fillRef idx="0">
+            <a:schemeClr val="accent1"/>
+          </a:fillRef>
+          <a:effectRef idx="0">
+            <a:schemeClr val="accent1"/>
+          </a:effectRef>
+          <a:fontRef idx="minor">
+            <a:schemeClr val="tx1"/>
+          </a:fontRef>
+        </p:style>
+      </p:cxnSp>
+      <p:cxnSp>
+        <p:nvCxnSpPr>
+          <p:cNvPr id="11" name="Gerader Verbinder 10">
+            <a:extLst>
+              <a:ext uri="{FF2B5EF4-FFF2-40B4-BE49-F238E27FC236}">
+                <a16:creationId xmlns:a16="http://schemas.microsoft.com/office/drawing/2014/main" id="{070B96AF-7411-46A6-9E2B-AA80FCEE4C06}"/>
+              </a:ext>
+            </a:extLst>
+          </p:cNvPr>
+          <p:cNvCxnSpPr/>
+          <p:nvPr/>
+        </p:nvCxnSpPr>
+        <p:spPr>
+          <a:xfrm>
+            <a:off x="1711204" y="1287964"/>
+            <a:ext cx="0" cy="483141"/>
+          </a:xfrm>
+          <a:prstGeom prst="line">
+            <a:avLst/>
+          </a:prstGeom>
+          <a:ln>
+            <a:solidFill>
+              <a:schemeClr val="tx1"/>
+            </a:solidFill>
+          </a:ln>
+        </p:spPr>
+        <p:style>
+          <a:lnRef idx="1">
+            <a:schemeClr val="accent1"/>
+          </a:lnRef>
+          <a:fillRef idx="0">
+            <a:schemeClr val="accent1"/>
+          </a:fillRef>
+          <a:effectRef idx="0">
+            <a:schemeClr val="accent1"/>
+          </a:effectRef>
+          <a:fontRef idx="minor">
+            <a:schemeClr val="tx1"/>
+          </a:fontRef>
+        </p:style>
+      </p:cxnSp>
+      <p:cxnSp>
+        <p:nvCxnSpPr>
+          <p:cNvPr id="12" name="Gerader Verbinder 11">
+            <a:extLst>
+              <a:ext uri="{FF2B5EF4-FFF2-40B4-BE49-F238E27FC236}">
+                <a16:creationId xmlns:a16="http://schemas.microsoft.com/office/drawing/2014/main" id="{6374A920-87D8-4156-A55C-616752D48FAD}"/>
+              </a:ext>
+            </a:extLst>
+          </p:cNvPr>
+          <p:cNvCxnSpPr/>
+          <p:nvPr/>
+        </p:nvCxnSpPr>
+        <p:spPr>
+          <a:xfrm>
+            <a:off x="1435587" y="1287964"/>
+            <a:ext cx="0" cy="483141"/>
+          </a:xfrm>
+          <a:prstGeom prst="line">
+            <a:avLst/>
+          </a:prstGeom>
+          <a:ln>
+            <a:solidFill>
+              <a:schemeClr val="tx1"/>
+            </a:solidFill>
+          </a:ln>
+        </p:spPr>
+        <p:style>
+          <a:lnRef idx="1">
+            <a:schemeClr val="accent1"/>
+          </a:lnRef>
+          <a:fillRef idx="0">
+            <a:schemeClr val="accent1"/>
+          </a:fillRef>
+          <a:effectRef idx="0">
+            <a:schemeClr val="accent1"/>
+          </a:effectRef>
+          <a:fontRef idx="minor">
+            <a:schemeClr val="tx1"/>
+          </a:fontRef>
+        </p:style>
+      </p:cxnSp>
+      <p:cxnSp>
+        <p:nvCxnSpPr>
+          <p:cNvPr id="13" name="Gerader Verbinder 12">
+            <a:extLst>
+              <a:ext uri="{FF2B5EF4-FFF2-40B4-BE49-F238E27FC236}">
+                <a16:creationId xmlns:a16="http://schemas.microsoft.com/office/drawing/2014/main" id="{D2F4054B-9838-4831-9F2C-A0A7B9781C9F}"/>
+              </a:ext>
+            </a:extLst>
+          </p:cNvPr>
+          <p:cNvCxnSpPr/>
+          <p:nvPr/>
+        </p:nvCxnSpPr>
+        <p:spPr>
+          <a:xfrm>
+            <a:off x="1101604" y="1287964"/>
+            <a:ext cx="0" cy="483141"/>
+          </a:xfrm>
+          <a:prstGeom prst="line">
+            <a:avLst/>
+          </a:prstGeom>
+          <a:ln>
+            <a:solidFill>
+              <a:schemeClr val="tx1"/>
+            </a:solidFill>
+          </a:ln>
+        </p:spPr>
+        <p:style>
+          <a:lnRef idx="1">
+            <a:schemeClr val="accent1"/>
+          </a:lnRef>
+          <a:fillRef idx="0">
+            <a:schemeClr val="accent1"/>
+          </a:fillRef>
+          <a:effectRef idx="0">
+            <a:schemeClr val="accent1"/>
+          </a:effectRef>
+          <a:fontRef idx="minor">
+            <a:schemeClr val="tx1"/>
+          </a:fontRef>
+        </p:style>
+      </p:cxnSp>
+      <p:cxnSp>
+        <p:nvCxnSpPr>
+          <p:cNvPr id="14" name="Gerader Verbinder 13">
+            <a:extLst>
+              <a:ext uri="{FF2B5EF4-FFF2-40B4-BE49-F238E27FC236}">
+                <a16:creationId xmlns:a16="http://schemas.microsoft.com/office/drawing/2014/main" id="{E36843E4-30D3-450C-B2F1-E4825D5AF482}"/>
+              </a:ext>
+            </a:extLst>
+          </p:cNvPr>
+          <p:cNvCxnSpPr/>
+          <p:nvPr/>
+        </p:nvCxnSpPr>
+        <p:spPr>
+          <a:xfrm>
+            <a:off x="1273459" y="1287964"/>
+            <a:ext cx="0" cy="483141"/>
+          </a:xfrm>
+          <a:prstGeom prst="line">
+            <a:avLst/>
+          </a:prstGeom>
+          <a:ln>
+            <a:solidFill>
+              <a:schemeClr val="tx1"/>
+            </a:solidFill>
+          </a:ln>
+        </p:spPr>
+        <p:style>
+          <a:lnRef idx="1">
+            <a:schemeClr val="accent1"/>
+          </a:lnRef>
+          <a:fillRef idx="0">
+            <a:schemeClr val="accent1"/>
+          </a:fillRef>
+          <a:effectRef idx="0">
+            <a:schemeClr val="accent1"/>
+          </a:effectRef>
+          <a:fontRef idx="minor">
+            <a:schemeClr val="tx1"/>
+          </a:fontRef>
+        </p:style>
+      </p:cxnSp>
+      <p:cxnSp>
+        <p:nvCxnSpPr>
+          <p:cNvPr id="18" name="Gerade Verbindung mit Pfeil 17">
+            <a:extLst>
+              <a:ext uri="{FF2B5EF4-FFF2-40B4-BE49-F238E27FC236}">
+                <a16:creationId xmlns:a16="http://schemas.microsoft.com/office/drawing/2014/main" id="{AB3CDEAF-9C9E-4219-942E-42A83C80E1B7}"/>
+              </a:ext>
+            </a:extLst>
+          </p:cNvPr>
+          <p:cNvCxnSpPr/>
+          <p:nvPr/>
+        </p:nvCxnSpPr>
+        <p:spPr>
+          <a:xfrm>
+            <a:off x="287723" y="1521428"/>
+            <a:ext cx="661481" cy="0"/>
+          </a:xfrm>
+          <a:prstGeom prst="straightConnector1">
+            <a:avLst/>
+          </a:prstGeom>
+          <a:ln>
+            <a:solidFill>
+              <a:schemeClr val="tx1"/>
+            </a:solidFill>
+            <a:tailEnd type="triangle"/>
+          </a:ln>
+        </p:spPr>
+        <p:style>
+          <a:lnRef idx="1">
+            <a:schemeClr val="accent1"/>
+          </a:lnRef>
+          <a:fillRef idx="0">
+            <a:schemeClr val="accent1"/>
+          </a:fillRef>
+          <a:effectRef idx="0">
+            <a:schemeClr val="accent1"/>
+          </a:effectRef>
+          <a:fontRef idx="minor">
+            <a:schemeClr val="tx1"/>
+          </a:fontRef>
+        </p:style>
+      </p:cxnSp>
+      <p:sp>
+        <p:nvSpPr>
+          <p:cNvPr id="19" name="Ellipse 18">
+            <a:extLst>
+              <a:ext uri="{FF2B5EF4-FFF2-40B4-BE49-F238E27FC236}">
+                <a16:creationId xmlns:a16="http://schemas.microsoft.com/office/drawing/2014/main" id="{53E2782D-AA0B-4088-96A4-90C7536F9728}"/>
+              </a:ext>
+            </a:extLst>
+          </p:cNvPr>
+          <p:cNvSpPr/>
+          <p:nvPr/>
+        </p:nvSpPr>
+        <p:spPr>
+          <a:xfrm>
+            <a:off x="2427808" y="1287964"/>
+            <a:ext cx="1459144" cy="483141"/>
+          </a:xfrm>
+          <a:prstGeom prst="ellipse">
+            <a:avLst/>
+          </a:prstGeom>
+          <a:solidFill>
+            <a:schemeClr val="bg1"/>
+          </a:solidFill>
+          <a:ln w="6350">
+            <a:solidFill>
+              <a:schemeClr val="tx1"/>
+            </a:solidFill>
+          </a:ln>
+        </p:spPr>
+        <p:style>
+          <a:lnRef idx="2">
+            <a:schemeClr val="accent1">
+              <a:shade val="50000"/>
+            </a:schemeClr>
+          </a:lnRef>
+          <a:fillRef idx="1">
+            <a:schemeClr val="accent1"/>
+          </a:fillRef>
+          <a:effectRef idx="0">
+            <a:schemeClr val="accent1"/>
+          </a:effectRef>
+          <a:fontRef idx="minor">
+            <a:schemeClr val="lt1"/>
+          </a:fontRef>
+        </p:style>
+        <p:txBody>
+          <a:bodyPr rtlCol="0" anchor="ctr"/>
+          <a:lstStyle/>
+          <a:p>
+            <a:pPr algn="ctr"/>
+            <a:endParaRPr lang="en-GB" dirty="0"/>
+          </a:p>
+        </p:txBody>
+      </p:sp>
+      <p:sp>
+        <p:nvSpPr>
+          <p:cNvPr id="20" name="Rechteck 19">
+            <a:extLst>
+              <a:ext uri="{FF2B5EF4-FFF2-40B4-BE49-F238E27FC236}">
+                <a16:creationId xmlns:a16="http://schemas.microsoft.com/office/drawing/2014/main" id="{B4193B13-79C0-4188-A6E4-8BAEE2CCC4EB}"/>
+              </a:ext>
+            </a:extLst>
+          </p:cNvPr>
+          <p:cNvSpPr/>
+          <p:nvPr/>
+        </p:nvSpPr>
+        <p:spPr>
+          <a:xfrm>
+            <a:off x="2612628" y="1424151"/>
+            <a:ext cx="165376" cy="194553"/>
+          </a:xfrm>
+          <a:prstGeom prst="rect">
+            <a:avLst/>
+          </a:prstGeom>
+          <a:solidFill>
+            <a:schemeClr val="bg1"/>
+          </a:solidFill>
+          <a:ln>
+            <a:solidFill>
+              <a:schemeClr val="tx1"/>
+            </a:solidFill>
+          </a:ln>
+        </p:spPr>
+        <p:style>
+          <a:lnRef idx="2">
+            <a:schemeClr val="accent1">
+              <a:shade val="50000"/>
+            </a:schemeClr>
+          </a:lnRef>
+          <a:fillRef idx="1">
+            <a:schemeClr val="accent1"/>
+          </a:fillRef>
+          <a:effectRef idx="0">
+            <a:schemeClr val="accent1"/>
+          </a:effectRef>
+          <a:fontRef idx="minor">
+            <a:schemeClr val="lt1"/>
+          </a:fontRef>
+        </p:style>
+        <p:txBody>
+          <a:bodyPr rtlCol="0" anchor="ctr"/>
+          <a:lstStyle/>
+          <a:p>
+            <a:pPr algn="ctr"/>
+            <a:endParaRPr lang="en-GB" dirty="0"/>
+          </a:p>
+        </p:txBody>
+      </p:sp>
+      <p:sp>
+        <p:nvSpPr>
+          <p:cNvPr id="21" name="Rechteck 20">
+            <a:extLst>
+              <a:ext uri="{FF2B5EF4-FFF2-40B4-BE49-F238E27FC236}">
+                <a16:creationId xmlns:a16="http://schemas.microsoft.com/office/drawing/2014/main" id="{1C810D6E-B959-4723-9DDA-94A34AFEC9DA}"/>
+              </a:ext>
+            </a:extLst>
+          </p:cNvPr>
+          <p:cNvSpPr/>
+          <p:nvPr/>
+        </p:nvSpPr>
+        <p:spPr>
+          <a:xfrm>
+            <a:off x="2883376" y="1419286"/>
+            <a:ext cx="165376" cy="194553"/>
+          </a:xfrm>
+          <a:prstGeom prst="rect">
+            <a:avLst/>
+          </a:prstGeom>
+          <a:solidFill>
+            <a:schemeClr val="bg1"/>
+          </a:solidFill>
+          <a:ln>
+            <a:solidFill>
+              <a:schemeClr val="tx1"/>
+            </a:solidFill>
+          </a:ln>
+        </p:spPr>
+        <p:style>
+          <a:lnRef idx="2">
+            <a:schemeClr val="accent1">
+              <a:shade val="50000"/>
+            </a:schemeClr>
+          </a:lnRef>
+          <a:fillRef idx="1">
+            <a:schemeClr val="accent1"/>
+          </a:fillRef>
+          <a:effectRef idx="0">
+            <a:schemeClr val="accent1"/>
+          </a:effectRef>
+          <a:fontRef idx="minor">
+            <a:schemeClr val="lt1"/>
+          </a:fontRef>
+        </p:style>
+        <p:txBody>
+          <a:bodyPr rtlCol="0" anchor="ctr"/>
+          <a:lstStyle/>
+          <a:p>
+            <a:pPr algn="ctr"/>
+            <a:endParaRPr lang="en-GB" dirty="0"/>
+          </a:p>
+        </p:txBody>
+      </p:sp>
+      <p:sp>
+        <p:nvSpPr>
+          <p:cNvPr id="23" name="Rechteck 22">
+            <a:extLst>
+              <a:ext uri="{FF2B5EF4-FFF2-40B4-BE49-F238E27FC236}">
+                <a16:creationId xmlns:a16="http://schemas.microsoft.com/office/drawing/2014/main" id="{F2AB91DF-DC34-45C3-9EDC-B0D84B7A4FD7}"/>
+              </a:ext>
+            </a:extLst>
+          </p:cNvPr>
+          <p:cNvSpPr/>
+          <p:nvPr/>
+        </p:nvSpPr>
+        <p:spPr>
+          <a:xfrm>
+            <a:off x="3484877" y="1419287"/>
+            <a:ext cx="165376" cy="194553"/>
+          </a:xfrm>
+          <a:prstGeom prst="rect">
+            <a:avLst/>
+          </a:prstGeom>
+          <a:solidFill>
+            <a:schemeClr val="bg1"/>
+          </a:solidFill>
+          <a:ln>
+            <a:solidFill>
+              <a:schemeClr val="tx1"/>
+            </a:solidFill>
+          </a:ln>
+        </p:spPr>
+        <p:style>
+          <a:lnRef idx="2">
+            <a:schemeClr val="accent1">
+              <a:shade val="50000"/>
+            </a:schemeClr>
+          </a:lnRef>
+          <a:fillRef idx="1">
+            <a:schemeClr val="accent1"/>
+          </a:fillRef>
+          <a:effectRef idx="0">
+            <a:schemeClr val="accent1"/>
+          </a:effectRef>
+          <a:fontRef idx="minor">
+            <a:schemeClr val="lt1"/>
+          </a:fontRef>
+        </p:style>
+        <p:txBody>
+          <a:bodyPr rtlCol="0" anchor="ctr"/>
+          <a:lstStyle/>
+          <a:p>
+            <a:pPr algn="ctr"/>
+            <a:endParaRPr lang="en-GB" dirty="0"/>
+          </a:p>
+        </p:txBody>
+      </p:sp>
+      <p:sp>
+        <p:nvSpPr>
+          <p:cNvPr id="24" name="Textfeld 23">
+            <a:extLst>
+              <a:ext uri="{FF2B5EF4-FFF2-40B4-BE49-F238E27FC236}">
+                <a16:creationId xmlns:a16="http://schemas.microsoft.com/office/drawing/2014/main" id="{83820474-2B95-44D3-B3E0-4F2A64F8B8C7}"/>
+              </a:ext>
+            </a:extLst>
+          </p:cNvPr>
+          <p:cNvSpPr txBox="1"/>
+          <p:nvPr/>
+        </p:nvSpPr>
+        <p:spPr>
+          <a:xfrm>
+            <a:off x="2576966" y="1406423"/>
+            <a:ext cx="236699" cy="246221"/>
+          </a:xfrm>
+          <a:prstGeom prst="rect">
+            <a:avLst/>
+          </a:prstGeom>
+          <a:noFill/>
+        </p:spPr>
+        <p:txBody>
+          <a:bodyPr wrap="square" rtlCol="0">
+            <a:spAutoFit/>
+          </a:bodyPr>
+          <a:lstStyle/>
+          <a:p>
+            <a:r>
+              <a:rPr lang="en-GB" sz="1000" dirty="0"/>
+              <a:t>1</a:t>
+            </a:r>
+          </a:p>
+        </p:txBody>
+      </p:sp>
+      <p:sp>
+        <p:nvSpPr>
+          <p:cNvPr id="25" name="Textfeld 24">
+            <a:extLst>
+              <a:ext uri="{FF2B5EF4-FFF2-40B4-BE49-F238E27FC236}">
+                <a16:creationId xmlns:a16="http://schemas.microsoft.com/office/drawing/2014/main" id="{5BB8746E-EED6-42E6-8D47-CDCD70E45709}"/>
+              </a:ext>
+            </a:extLst>
+          </p:cNvPr>
+          <p:cNvSpPr txBox="1"/>
+          <p:nvPr/>
+        </p:nvSpPr>
+        <p:spPr>
+          <a:xfrm>
+            <a:off x="2855815" y="1406422"/>
+            <a:ext cx="236699" cy="246221"/>
+          </a:xfrm>
+          <a:prstGeom prst="rect">
+            <a:avLst/>
+          </a:prstGeom>
+          <a:noFill/>
+        </p:spPr>
+        <p:txBody>
+          <a:bodyPr wrap="square" rtlCol="0">
+            <a:spAutoFit/>
+          </a:bodyPr>
+          <a:lstStyle/>
+          <a:p>
+            <a:r>
+              <a:rPr lang="en-GB" sz="1000" dirty="0"/>
+              <a:t>2</a:t>
+            </a:r>
+          </a:p>
+        </p:txBody>
+      </p:sp>
+      <p:sp>
+        <p:nvSpPr>
+          <p:cNvPr id="26" name="Textfeld 25">
+            <a:extLst>
+              <a:ext uri="{FF2B5EF4-FFF2-40B4-BE49-F238E27FC236}">
+                <a16:creationId xmlns:a16="http://schemas.microsoft.com/office/drawing/2014/main" id="{5B1BB2FF-4277-46A4-A19D-9CEA859F32B5}"/>
+              </a:ext>
+            </a:extLst>
+          </p:cNvPr>
+          <p:cNvSpPr txBox="1"/>
+          <p:nvPr/>
+        </p:nvSpPr>
+        <p:spPr>
+          <a:xfrm>
+            <a:off x="3442727" y="1406422"/>
+            <a:ext cx="236699" cy="246221"/>
+          </a:xfrm>
+          <a:prstGeom prst="rect">
+            <a:avLst/>
+          </a:prstGeom>
+          <a:noFill/>
+        </p:spPr>
+        <p:txBody>
+          <a:bodyPr wrap="square" rtlCol="0">
+            <a:spAutoFit/>
+          </a:bodyPr>
+          <a:lstStyle/>
+          <a:p>
+            <a:r>
+              <a:rPr lang="en-GB" sz="1000" dirty="0"/>
+              <a:t>m</a:t>
+            </a:r>
+          </a:p>
+        </p:txBody>
+      </p:sp>
+      <p:sp>
+        <p:nvSpPr>
+          <p:cNvPr id="28" name="Textfeld 27">
+            <a:extLst>
+              <a:ext uri="{FF2B5EF4-FFF2-40B4-BE49-F238E27FC236}">
+                <a16:creationId xmlns:a16="http://schemas.microsoft.com/office/drawing/2014/main" id="{239D0344-20E0-4D7E-9537-A3DD32930271}"/>
+              </a:ext>
+            </a:extLst>
+          </p:cNvPr>
+          <p:cNvSpPr txBox="1"/>
+          <p:nvPr/>
+        </p:nvSpPr>
+        <p:spPr>
+          <a:xfrm>
+            <a:off x="3105508" y="1419286"/>
+            <a:ext cx="236699" cy="246221"/>
+          </a:xfrm>
+          <a:prstGeom prst="rect">
+            <a:avLst/>
+          </a:prstGeom>
+          <a:noFill/>
+        </p:spPr>
+        <p:txBody>
+          <a:bodyPr wrap="square" rtlCol="0">
+            <a:spAutoFit/>
+          </a:bodyPr>
+          <a:lstStyle/>
+          <a:p>
+            <a:r>
+              <a:rPr lang="en-GB" sz="1000" dirty="0"/>
+              <a:t>…</a:t>
+            </a:r>
+          </a:p>
+        </p:txBody>
+      </p:sp>
+      <p:cxnSp>
+        <p:nvCxnSpPr>
+          <p:cNvPr id="30" name="Gerade Verbindung mit Pfeil 29">
+            <a:extLst>
+              <a:ext uri="{FF2B5EF4-FFF2-40B4-BE49-F238E27FC236}">
+                <a16:creationId xmlns:a16="http://schemas.microsoft.com/office/drawing/2014/main" id="{429F83F4-F33F-4D7E-80B4-BDD1657AFB7E}"/>
+              </a:ext>
+            </a:extLst>
+          </p:cNvPr>
+          <p:cNvCxnSpPr>
+            <a:endCxn id="19" idx="2"/>
+          </p:cNvCxnSpPr>
+          <p:nvPr/>
+        </p:nvCxnSpPr>
+        <p:spPr>
+          <a:xfrm>
+            <a:off x="1908493" y="1529532"/>
+            <a:ext cx="519315" cy="3"/>
+          </a:xfrm>
+          <a:prstGeom prst="straightConnector1">
+            <a:avLst/>
+          </a:prstGeom>
+          <a:ln>
+            <a:solidFill>
+              <a:schemeClr val="tx1"/>
+            </a:solidFill>
+            <a:tailEnd type="triangle"/>
+          </a:ln>
+        </p:spPr>
+        <p:style>
+          <a:lnRef idx="1">
+            <a:schemeClr val="accent1"/>
+          </a:lnRef>
+          <a:fillRef idx="0">
+            <a:schemeClr val="accent1"/>
+          </a:fillRef>
+          <a:effectRef idx="0">
+            <a:schemeClr val="accent1"/>
+          </a:effectRef>
+          <a:fontRef idx="minor">
+            <a:schemeClr val="tx1"/>
+          </a:fontRef>
+        </p:style>
+      </p:cxnSp>
+      <p:sp>
+        <p:nvSpPr>
+          <p:cNvPr id="34" name="Textfeld 33">
+            <a:extLst>
+              <a:ext uri="{FF2B5EF4-FFF2-40B4-BE49-F238E27FC236}">
+                <a16:creationId xmlns:a16="http://schemas.microsoft.com/office/drawing/2014/main" id="{535A609C-DDD4-4B71-85BE-3AF934E30ECF}"/>
+              </a:ext>
+            </a:extLst>
+          </p:cNvPr>
+          <p:cNvSpPr txBox="1"/>
+          <p:nvPr/>
+        </p:nvSpPr>
+        <p:spPr>
+          <a:xfrm>
+            <a:off x="898543" y="1748029"/>
+            <a:ext cx="1002756" cy="215444"/>
+          </a:xfrm>
+          <a:prstGeom prst="rect">
+            <a:avLst/>
+          </a:prstGeom>
+          <a:noFill/>
+        </p:spPr>
+        <p:txBody>
+          <a:bodyPr wrap="square" rtlCol="0">
+            <a:spAutoFit/>
+          </a:bodyPr>
+          <a:lstStyle/>
+          <a:p>
+            <a:r>
+              <a:rPr lang="en-GB" sz="800" dirty="0"/>
+              <a:t>Warteschlange</a:t>
+            </a:r>
+          </a:p>
+        </p:txBody>
+      </p:sp>
+      <p:sp>
+        <p:nvSpPr>
+          <p:cNvPr id="35" name="Textfeld 34">
+            <a:extLst>
+              <a:ext uri="{FF2B5EF4-FFF2-40B4-BE49-F238E27FC236}">
+                <a16:creationId xmlns:a16="http://schemas.microsoft.com/office/drawing/2014/main" id="{18502162-42FC-4596-8FDE-135600A60688}"/>
+              </a:ext>
+            </a:extLst>
+          </p:cNvPr>
+          <p:cNvSpPr txBox="1"/>
+          <p:nvPr/>
+        </p:nvSpPr>
+        <p:spPr>
+          <a:xfrm>
+            <a:off x="3178048" y="1111175"/>
+            <a:ext cx="1002756" cy="215444"/>
+          </a:xfrm>
+          <a:prstGeom prst="rect">
+            <a:avLst/>
+          </a:prstGeom>
+          <a:noFill/>
+        </p:spPr>
+        <p:txBody>
+          <a:bodyPr wrap="square" rtlCol="0">
+            <a:spAutoFit/>
+          </a:bodyPr>
+          <a:lstStyle/>
+          <a:p>
+            <a:r>
+              <a:rPr lang="en-GB" sz="800" dirty="0"/>
+              <a:t>Infrastruktur</a:t>
+            </a:r>
+          </a:p>
+        </p:txBody>
+      </p:sp>
+      <p:cxnSp>
+        <p:nvCxnSpPr>
+          <p:cNvPr id="36" name="Gerade Verbindung mit Pfeil 35">
+            <a:extLst>
+              <a:ext uri="{FF2B5EF4-FFF2-40B4-BE49-F238E27FC236}">
+                <a16:creationId xmlns:a16="http://schemas.microsoft.com/office/drawing/2014/main" id="{A61E8E9D-8A3B-4E10-ABD4-586DAA8848A1}"/>
+              </a:ext>
+            </a:extLst>
+          </p:cNvPr>
+          <p:cNvCxnSpPr>
+            <a:stCxn id="19" idx="6"/>
+          </p:cNvCxnSpPr>
+          <p:nvPr/>
+        </p:nvCxnSpPr>
+        <p:spPr>
+          <a:xfrm flipV="1">
+            <a:off x="3886952" y="1529532"/>
+            <a:ext cx="245628" cy="3"/>
+          </a:xfrm>
+          <a:prstGeom prst="straightConnector1">
+            <a:avLst/>
+          </a:prstGeom>
+          <a:ln>
+            <a:solidFill>
+              <a:schemeClr val="tx1"/>
+            </a:solidFill>
+            <a:tailEnd type="triangle"/>
+          </a:ln>
+        </p:spPr>
+        <p:style>
+          <a:lnRef idx="1">
+            <a:schemeClr val="accent1"/>
+          </a:lnRef>
+          <a:fillRef idx="0">
+            <a:schemeClr val="accent1"/>
+          </a:fillRef>
+          <a:effectRef idx="0">
+            <a:schemeClr val="accent1"/>
+          </a:effectRef>
+          <a:fontRef idx="minor">
+            <a:schemeClr val="tx1"/>
+          </a:fontRef>
+        </p:style>
+      </p:cxnSp>
+      <p:sp>
+        <p:nvSpPr>
+          <p:cNvPr id="38" name="Textfeld 37">
+            <a:extLst>
+              <a:ext uri="{FF2B5EF4-FFF2-40B4-BE49-F238E27FC236}">
+                <a16:creationId xmlns:a16="http://schemas.microsoft.com/office/drawing/2014/main" id="{96A57BA1-E457-40DB-9646-531AD81256E0}"/>
+              </a:ext>
+            </a:extLst>
+          </p:cNvPr>
+          <p:cNvSpPr txBox="1"/>
+          <p:nvPr/>
+        </p:nvSpPr>
+        <p:spPr>
+          <a:xfrm>
+            <a:off x="4099244" y="1366520"/>
+            <a:ext cx="779030" cy="351751"/>
+          </a:xfrm>
+          <a:prstGeom prst="rect">
+            <a:avLst/>
+          </a:prstGeom>
+          <a:noFill/>
+        </p:spPr>
+        <p:txBody>
+          <a:bodyPr wrap="square" rtlCol="0">
+            <a:spAutoFit/>
+          </a:bodyPr>
+          <a:lstStyle/>
+          <a:p>
+            <a:pPr algn="ctr"/>
+            <a:r>
+              <a:rPr lang="de-DE" sz="800" dirty="0"/>
+              <a:t>Abgearbeitete Jobs</a:t>
+            </a:r>
+          </a:p>
+        </p:txBody>
+      </p:sp>
+      <p:sp>
+        <p:nvSpPr>
+          <p:cNvPr id="39" name="Textfeld 38">
+            <a:extLst>
+              <a:ext uri="{FF2B5EF4-FFF2-40B4-BE49-F238E27FC236}">
+                <a16:creationId xmlns:a16="http://schemas.microsoft.com/office/drawing/2014/main" id="{DF70655B-091D-4B8A-AB35-FA836980F99B}"/>
+              </a:ext>
+            </a:extLst>
+          </p:cNvPr>
+          <p:cNvSpPr txBox="1"/>
+          <p:nvPr/>
+        </p:nvSpPr>
+        <p:spPr>
+          <a:xfrm>
+            <a:off x="98417" y="1353659"/>
+            <a:ext cx="779030" cy="338554"/>
+          </a:xfrm>
+          <a:prstGeom prst="rect">
+            <a:avLst/>
+          </a:prstGeom>
+          <a:noFill/>
+        </p:spPr>
+        <p:txBody>
+          <a:bodyPr wrap="square" rtlCol="0">
+            <a:spAutoFit/>
+          </a:bodyPr>
+          <a:lstStyle/>
+          <a:p>
+            <a:pPr algn="ctr"/>
+            <a:r>
+              <a:rPr lang="de-DE" sz="800" dirty="0"/>
+              <a:t>Ankommende Jobs</a:t>
+            </a:r>
+          </a:p>
+        </p:txBody>
+      </p:sp>
+      <p:sp>
+        <p:nvSpPr>
+          <p:cNvPr id="40" name="Rechteck 39">
+            <a:extLst>
+              <a:ext uri="{FF2B5EF4-FFF2-40B4-BE49-F238E27FC236}">
+                <a16:creationId xmlns:a16="http://schemas.microsoft.com/office/drawing/2014/main" id="{5A0CE953-3D5A-4623-B972-9FC0B29E6B51}"/>
+              </a:ext>
+            </a:extLst>
+          </p:cNvPr>
+          <p:cNvSpPr/>
+          <p:nvPr/>
+        </p:nvSpPr>
+        <p:spPr>
+          <a:xfrm>
+            <a:off x="2809105" y="1960660"/>
+            <a:ext cx="696550" cy="327653"/>
+          </a:xfrm>
+          <a:prstGeom prst="rect">
+            <a:avLst/>
+          </a:prstGeom>
+          <a:solidFill>
+            <a:schemeClr val="bg1"/>
+          </a:solidFill>
+          <a:ln w="6350">
+            <a:solidFill>
+              <a:schemeClr val="tx1"/>
+            </a:solidFill>
+          </a:ln>
+        </p:spPr>
+        <p:style>
+          <a:lnRef idx="2">
+            <a:schemeClr val="accent1">
+              <a:shade val="50000"/>
+            </a:schemeClr>
+          </a:lnRef>
+          <a:fillRef idx="1">
+            <a:schemeClr val="accent1"/>
+          </a:fillRef>
+          <a:effectRef idx="0">
+            <a:schemeClr val="accent1"/>
+          </a:effectRef>
+          <a:fontRef idx="minor">
+            <a:schemeClr val="lt1"/>
+          </a:fontRef>
+        </p:style>
+        <p:txBody>
+          <a:bodyPr rtlCol="0" anchor="ctr"/>
+          <a:lstStyle/>
+          <a:p>
+            <a:pPr algn="ctr"/>
+            <a:endParaRPr lang="en-GB" dirty="0"/>
+          </a:p>
+        </p:txBody>
+      </p:sp>
+      <p:sp>
+        <p:nvSpPr>
+          <p:cNvPr id="41" name="Textfeld 40">
+            <a:extLst>
+              <a:ext uri="{FF2B5EF4-FFF2-40B4-BE49-F238E27FC236}">
+                <a16:creationId xmlns:a16="http://schemas.microsoft.com/office/drawing/2014/main" id="{5A63152E-3DD8-4EA1-AE69-29F28F3FE927}"/>
+              </a:ext>
+            </a:extLst>
+          </p:cNvPr>
+          <p:cNvSpPr txBox="1"/>
+          <p:nvPr/>
+        </p:nvSpPr>
+        <p:spPr>
+          <a:xfrm>
+            <a:off x="2763198" y="2016764"/>
+            <a:ext cx="779030" cy="215444"/>
+          </a:xfrm>
+          <a:prstGeom prst="rect">
+            <a:avLst/>
+          </a:prstGeom>
+          <a:noFill/>
+        </p:spPr>
+        <p:txBody>
+          <a:bodyPr wrap="square" rtlCol="0">
+            <a:spAutoFit/>
+          </a:bodyPr>
+          <a:lstStyle/>
+          <a:p>
+            <a:pPr algn="ctr"/>
+            <a:r>
+              <a:rPr lang="de-DE" sz="800" dirty="0"/>
+              <a:t>Auto-Skalierer</a:t>
+            </a:r>
+          </a:p>
+        </p:txBody>
+      </p:sp>
+      <p:cxnSp>
+        <p:nvCxnSpPr>
+          <p:cNvPr id="43" name="Gerade Verbindung mit Pfeil 42">
+            <a:extLst>
+              <a:ext uri="{FF2B5EF4-FFF2-40B4-BE49-F238E27FC236}">
+                <a16:creationId xmlns:a16="http://schemas.microsoft.com/office/drawing/2014/main" id="{16F821BE-271E-4062-9933-5DB67F8BDCEC}"/>
+              </a:ext>
+            </a:extLst>
+          </p:cNvPr>
+          <p:cNvCxnSpPr>
+            <a:stCxn id="40" idx="0"/>
+            <a:endCxn id="19" idx="4"/>
+          </p:cNvCxnSpPr>
+          <p:nvPr/>
+        </p:nvCxnSpPr>
+        <p:spPr>
+          <a:xfrm flipV="1">
+            <a:off x="3157380" y="1771105"/>
+            <a:ext cx="0" cy="189555"/>
+          </a:xfrm>
+          <a:prstGeom prst="straightConnector1">
+            <a:avLst/>
+          </a:prstGeom>
+          <a:ln>
+            <a:solidFill>
+              <a:schemeClr val="tx1"/>
+            </a:solidFill>
+            <a:tailEnd type="triangle"/>
+          </a:ln>
+        </p:spPr>
+        <p:style>
+          <a:lnRef idx="1">
+            <a:schemeClr val="accent1"/>
+          </a:lnRef>
+          <a:fillRef idx="0">
+            <a:schemeClr val="accent1"/>
+          </a:fillRef>
+          <a:effectRef idx="0">
+            <a:schemeClr val="accent1"/>
+          </a:effectRef>
+          <a:fontRef idx="minor">
+            <a:schemeClr val="tx1"/>
+          </a:fontRef>
+        </p:style>
+      </p:cxnSp>
+      <p:sp>
+        <p:nvSpPr>
+          <p:cNvPr id="49" name="Rechteck 48">
+            <a:extLst>
+              <a:ext uri="{FF2B5EF4-FFF2-40B4-BE49-F238E27FC236}">
+                <a16:creationId xmlns:a16="http://schemas.microsoft.com/office/drawing/2014/main" id="{F228DCC1-1881-453D-958E-F87913DED892}"/>
+              </a:ext>
+            </a:extLst>
+          </p:cNvPr>
+          <p:cNvSpPr/>
+          <p:nvPr/>
+        </p:nvSpPr>
+        <p:spPr>
+          <a:xfrm>
+            <a:off x="2430946" y="350935"/>
+            <a:ext cx="1111281" cy="353471"/>
+          </a:xfrm>
+          <a:prstGeom prst="rect">
+            <a:avLst/>
+          </a:prstGeom>
+          <a:solidFill>
+            <a:schemeClr val="bg1"/>
+          </a:solidFill>
+          <a:ln w="6350">
+            <a:solidFill>
+              <a:schemeClr val="tx1"/>
+            </a:solidFill>
+          </a:ln>
+        </p:spPr>
+        <p:style>
+          <a:lnRef idx="2">
+            <a:schemeClr val="accent1">
+              <a:shade val="50000"/>
+            </a:schemeClr>
+          </a:lnRef>
+          <a:fillRef idx="1">
+            <a:schemeClr val="accent1"/>
+          </a:fillRef>
+          <a:effectRef idx="0">
+            <a:schemeClr val="accent1"/>
+          </a:effectRef>
+          <a:fontRef idx="minor">
+            <a:schemeClr val="lt1"/>
+          </a:fontRef>
+        </p:style>
+        <p:txBody>
+          <a:bodyPr rtlCol="0" anchor="ctr"/>
+          <a:lstStyle/>
+          <a:p>
+            <a:pPr algn="ctr"/>
+            <a:r>
+              <a:rPr lang="en-GB" dirty="0"/>
+              <a:t>f</a:t>
+            </a:r>
+          </a:p>
+        </p:txBody>
+      </p:sp>
+      <p:sp>
+        <p:nvSpPr>
+          <p:cNvPr id="54" name="Textfeld 53">
+            <a:extLst>
+              <a:ext uri="{FF2B5EF4-FFF2-40B4-BE49-F238E27FC236}">
+                <a16:creationId xmlns:a16="http://schemas.microsoft.com/office/drawing/2014/main" id="{0AB66305-7284-48F9-8CDE-F25C02509413}"/>
+              </a:ext>
+            </a:extLst>
+          </p:cNvPr>
+          <p:cNvSpPr txBox="1"/>
+          <p:nvPr/>
+        </p:nvSpPr>
+        <p:spPr>
+          <a:xfrm>
+            <a:off x="2369230" y="421142"/>
+            <a:ext cx="1234711" cy="215444"/>
+          </a:xfrm>
+          <a:prstGeom prst="rect">
+            <a:avLst/>
+          </a:prstGeom>
+          <a:noFill/>
+        </p:spPr>
+        <p:txBody>
+          <a:bodyPr wrap="square" rtlCol="0">
+            <a:spAutoFit/>
+          </a:bodyPr>
+          <a:lstStyle/>
+          <a:p>
+            <a:pPr algn="ctr"/>
+            <a:r>
+              <a:rPr lang="de-DE" sz="800" dirty="0"/>
+              <a:t>Verhaltensaufzeichnung</a:t>
+            </a:r>
+          </a:p>
+        </p:txBody>
+      </p:sp>
+      <p:cxnSp>
+        <p:nvCxnSpPr>
+          <p:cNvPr id="61" name="Verbinder: gewinkelt 60">
+            <a:extLst>
+              <a:ext uri="{FF2B5EF4-FFF2-40B4-BE49-F238E27FC236}">
+                <a16:creationId xmlns:a16="http://schemas.microsoft.com/office/drawing/2014/main" id="{0D3C70F2-E633-4303-86E8-ED22E9DD890C}"/>
+              </a:ext>
+            </a:extLst>
+          </p:cNvPr>
+          <p:cNvCxnSpPr/>
+          <p:nvPr/>
+        </p:nvCxnSpPr>
+        <p:spPr>
+          <a:xfrm flipV="1">
+            <a:off x="1273459" y="541888"/>
+            <a:ext cx="1170283" cy="739572"/>
+          </a:xfrm>
+          <a:prstGeom prst="bentConnector3">
+            <a:avLst>
+              <a:gd name="adj1" fmla="val -55"/>
+            </a:avLst>
+          </a:prstGeom>
+          <a:ln>
+            <a:solidFill>
+              <a:schemeClr val="tx1"/>
+            </a:solidFill>
+            <a:prstDash val="sysDash"/>
+            <a:tailEnd type="triangle"/>
+          </a:ln>
+        </p:spPr>
+        <p:style>
+          <a:lnRef idx="1">
+            <a:schemeClr val="accent1"/>
+          </a:lnRef>
+          <a:fillRef idx="0">
+            <a:schemeClr val="accent1"/>
+          </a:fillRef>
+          <a:effectRef idx="0">
+            <a:schemeClr val="accent1"/>
+          </a:effectRef>
+          <a:fontRef idx="minor">
+            <a:schemeClr val="tx1"/>
+          </a:fontRef>
+        </p:style>
+      </p:cxnSp>
+      <p:cxnSp>
+        <p:nvCxnSpPr>
+          <p:cNvPr id="73" name="Verbinder: gewinkelt 72">
+            <a:extLst>
+              <a:ext uri="{FF2B5EF4-FFF2-40B4-BE49-F238E27FC236}">
+                <a16:creationId xmlns:a16="http://schemas.microsoft.com/office/drawing/2014/main" id="{1006585D-F2FB-4B60-8B7C-C341BE5896A3}"/>
+              </a:ext>
+            </a:extLst>
+          </p:cNvPr>
+          <p:cNvCxnSpPr>
+            <a:stCxn id="19" idx="0"/>
+            <a:endCxn id="49" idx="2"/>
+          </p:cNvCxnSpPr>
+          <p:nvPr/>
+        </p:nvCxnSpPr>
+        <p:spPr>
+          <a:xfrm rot="16200000" flipV="1">
+            <a:off x="2780205" y="910788"/>
+            <a:ext cx="583558" cy="170793"/>
+          </a:xfrm>
+          <a:prstGeom prst="bentConnector3">
+            <a:avLst>
+              <a:gd name="adj1" fmla="val 50000"/>
+            </a:avLst>
+          </a:prstGeom>
+          <a:ln>
+            <a:solidFill>
+              <a:schemeClr val="tx1"/>
+            </a:solidFill>
+            <a:prstDash val="sysDash"/>
+            <a:tailEnd type="triangle"/>
+          </a:ln>
+        </p:spPr>
+        <p:style>
+          <a:lnRef idx="1">
+            <a:schemeClr val="accent1"/>
+          </a:lnRef>
+          <a:fillRef idx="0">
+            <a:schemeClr val="accent1"/>
+          </a:fillRef>
+          <a:effectRef idx="0">
+            <a:schemeClr val="accent1"/>
+          </a:effectRef>
+          <a:fontRef idx="minor">
+            <a:schemeClr val="tx1"/>
+          </a:fontRef>
+        </p:style>
+      </p:cxnSp>
+      <p:cxnSp>
+        <p:nvCxnSpPr>
+          <p:cNvPr id="79" name="Verbinder: gewinkelt 78">
+            <a:extLst>
+              <a:ext uri="{FF2B5EF4-FFF2-40B4-BE49-F238E27FC236}">
+                <a16:creationId xmlns:a16="http://schemas.microsoft.com/office/drawing/2014/main" id="{440DA95F-9124-45E5-8BD8-E91D5548E018}"/>
+              </a:ext>
+            </a:extLst>
+          </p:cNvPr>
+          <p:cNvCxnSpPr>
+            <a:stCxn id="38" idx="0"/>
+            <a:endCxn id="49" idx="3"/>
+          </p:cNvCxnSpPr>
+          <p:nvPr/>
+        </p:nvCxnSpPr>
+        <p:spPr>
+          <a:xfrm rot="16200000" flipV="1">
+            <a:off x="3596069" y="473830"/>
+            <a:ext cx="838849" cy="946532"/>
+          </a:xfrm>
+          <a:prstGeom prst="bentConnector2">
+            <a:avLst/>
+          </a:prstGeom>
+          <a:ln>
+            <a:solidFill>
+              <a:schemeClr val="tx1"/>
+            </a:solidFill>
+            <a:prstDash val="sysDash"/>
+            <a:tailEnd type="triangle"/>
+          </a:ln>
+        </p:spPr>
+        <p:style>
+          <a:lnRef idx="1">
+            <a:schemeClr val="accent1"/>
+          </a:lnRef>
+          <a:fillRef idx="0">
+            <a:schemeClr val="accent1"/>
+          </a:fillRef>
+          <a:effectRef idx="0">
+            <a:schemeClr val="accent1"/>
+          </a:effectRef>
+          <a:fontRef idx="minor">
+            <a:schemeClr val="tx1"/>
+          </a:fontRef>
+        </p:style>
+      </p:cxnSp>
+      <p:cxnSp>
+        <p:nvCxnSpPr>
+          <p:cNvPr id="84" name="Verbinder: gewinkelt 83">
+            <a:extLst>
+              <a:ext uri="{FF2B5EF4-FFF2-40B4-BE49-F238E27FC236}">
+                <a16:creationId xmlns:a16="http://schemas.microsoft.com/office/drawing/2014/main" id="{0E75D5C9-A50D-456C-9BAD-4D3E700C7CE0}"/>
+              </a:ext>
+            </a:extLst>
+          </p:cNvPr>
+          <p:cNvCxnSpPr>
+            <a:endCxn id="49" idx="0"/>
+          </p:cNvCxnSpPr>
+          <p:nvPr/>
+        </p:nvCxnSpPr>
+        <p:spPr>
+          <a:xfrm flipV="1">
+            <a:off x="477992" y="350935"/>
+            <a:ext cx="2508595" cy="996220"/>
+          </a:xfrm>
+          <a:prstGeom prst="bentConnector4">
+            <a:avLst>
+              <a:gd name="adj1" fmla="val 6"/>
+              <a:gd name="adj2" fmla="val 122947"/>
+            </a:avLst>
+          </a:prstGeom>
+          <a:ln>
+            <a:solidFill>
+              <a:schemeClr val="tx1"/>
+            </a:solidFill>
+            <a:prstDash val="sysDash"/>
+            <a:tailEnd type="triangle"/>
+          </a:ln>
+        </p:spPr>
+        <p:style>
+          <a:lnRef idx="1">
+            <a:schemeClr val="accent1"/>
+          </a:lnRef>
+          <a:fillRef idx="0">
+            <a:schemeClr val="accent1"/>
+          </a:fillRef>
+          <a:effectRef idx="0">
+            <a:schemeClr val="accent1"/>
+          </a:effectRef>
+          <a:fontRef idx="minor">
+            <a:schemeClr val="tx1"/>
+          </a:fontRef>
+        </p:style>
+      </p:cxnSp>
+      <p:sp>
+        <p:nvSpPr>
+          <p:cNvPr id="100" name="Textfeld 99">
+            <a:extLst>
+              <a:ext uri="{FF2B5EF4-FFF2-40B4-BE49-F238E27FC236}">
+                <a16:creationId xmlns:a16="http://schemas.microsoft.com/office/drawing/2014/main" id="{C09FD0F8-A38D-401D-8835-6BDB042FE919}"/>
+              </a:ext>
+            </a:extLst>
+          </p:cNvPr>
+          <p:cNvSpPr txBox="1"/>
+          <p:nvPr/>
+        </p:nvSpPr>
+        <p:spPr>
+          <a:xfrm>
+            <a:off x="2867521" y="1810938"/>
+            <a:ext cx="1234711" cy="184666"/>
+          </a:xfrm>
+          <a:prstGeom prst="rect">
+            <a:avLst/>
+          </a:prstGeom>
+          <a:noFill/>
+        </p:spPr>
+        <p:txBody>
+          <a:bodyPr wrap="square" rtlCol="0">
+            <a:spAutoFit/>
+          </a:bodyPr>
+          <a:lstStyle/>
+          <a:p>
+            <a:pPr algn="ctr"/>
+            <a:r>
+              <a:rPr lang="de-DE" sz="600" dirty="0"/>
+              <a:t>Skalierentscheidung</a:t>
+            </a:r>
+          </a:p>
+        </p:txBody>
+      </p:sp>
+    </p:spTree>
+    <p:extLst>
+      <p:ext uri="{BB962C8B-B14F-4D97-AF65-F5344CB8AC3E}">
+        <p14:creationId xmlns:p14="http://schemas.microsoft.com/office/powerpoint/2010/main" val="3038289334"/>
       </p:ext>
     </p:extLst>
   </p:cSld>
